--- a/Sign language/Thesis PPT 0362577.pptx
+++ b/Sign language/Thesis PPT 0362577.pptx
@@ -11,14 +11,20 @@
     <p:sldId id="258" r:id="rId5"/>
     <p:sldId id="260" r:id="rId6"/>
     <p:sldId id="261" r:id="rId7"/>
-    <p:sldId id="262" r:id="rId8"/>
-    <p:sldId id="263" r:id="rId9"/>
-    <p:sldId id="264" r:id="rId10"/>
-    <p:sldId id="265" r:id="rId11"/>
-    <p:sldId id="266" r:id="rId12"/>
-    <p:sldId id="267" r:id="rId13"/>
-    <p:sldId id="268" r:id="rId14"/>
-    <p:sldId id="269" r:id="rId15"/>
+    <p:sldId id="270" r:id="rId8"/>
+    <p:sldId id="262" r:id="rId9"/>
+    <p:sldId id="263" r:id="rId10"/>
+    <p:sldId id="264" r:id="rId11"/>
+    <p:sldId id="265" r:id="rId12"/>
+    <p:sldId id="266" r:id="rId13"/>
+    <p:sldId id="267" r:id="rId14"/>
+    <p:sldId id="268" r:id="rId15"/>
+    <p:sldId id="269" r:id="rId16"/>
+    <p:sldId id="271" r:id="rId17"/>
+    <p:sldId id="272" r:id="rId18"/>
+    <p:sldId id="273" r:id="rId19"/>
+    <p:sldId id="274" r:id="rId20"/>
+    <p:sldId id="275" r:id="rId21"/>
   </p:sldIdLst>
   <p:sldSz cx="12192000" cy="6858000"/>
   <p:notesSz cx="6858000" cy="9144000"/>
@@ -117,6 +123,11 @@
       </a:defRPr>
     </a:lvl9pPr>
   </p:defaultTextStyle>
+  <p:extLst>
+    <p:ext uri="{EFAFB233-063F-42B5-8137-9DF3F51BA10A}">
+      <p15:sldGuideLst xmlns:p15="http://schemas.microsoft.com/office/powerpoint/2012/main"/>
+    </p:ext>
+  </p:extLst>
 </p:presentation>
 </file>
 
@@ -843,7 +854,7 @@
             <a:fld id="{B61BEF0D-F0BB-DE4B-95CE-6DB70DBA9567}" type="datetimeFigureOut">
               <a:rPr lang="en-US" dirty="0"/>
               <a:pPr/>
-              <a:t>11/11/2018</a:t>
+              <a:t>11/13/2018</a:t>
             </a:fld>
             <a:endParaRPr lang="en-US" dirty="0"/>
           </a:p>
@@ -1091,7 +1102,7 @@
             <a:fld id="{B61BEF0D-F0BB-DE4B-95CE-6DB70DBA9567}" type="datetimeFigureOut">
               <a:rPr lang="en-US" dirty="0"/>
               <a:pPr/>
-              <a:t>11/11/2018</a:t>
+              <a:t>11/13/2018</a:t>
             </a:fld>
             <a:endParaRPr lang="en-US" dirty="0"/>
           </a:p>
@@ -1402,7 +1413,7 @@
             <a:fld id="{B61BEF0D-F0BB-DE4B-95CE-6DB70DBA9567}" type="datetimeFigureOut">
               <a:rPr lang="en-US" dirty="0"/>
               <a:pPr/>
-              <a:t>11/11/2018</a:t>
+              <a:t>11/13/2018</a:t>
             </a:fld>
             <a:endParaRPr lang="en-US" dirty="0"/>
           </a:p>
@@ -1740,7 +1751,7 @@
             <a:fld id="{B61BEF0D-F0BB-DE4B-95CE-6DB70DBA9567}" type="datetimeFigureOut">
               <a:rPr lang="en-US" dirty="0"/>
               <a:pPr/>
-              <a:t>11/11/2018</a:t>
+              <a:t>11/13/2018</a:t>
             </a:fld>
             <a:endParaRPr lang="en-US" dirty="0"/>
           </a:p>
@@ -2051,7 +2062,7 @@
             <a:fld id="{B61BEF0D-F0BB-DE4B-95CE-6DB70DBA9567}" type="datetimeFigureOut">
               <a:rPr lang="en-US" dirty="0"/>
               <a:pPr/>
-              <a:t>11/11/2018</a:t>
+              <a:t>11/13/2018</a:t>
             </a:fld>
             <a:endParaRPr lang="en-US" dirty="0"/>
           </a:p>
@@ -2441,7 +2452,7 @@
             <a:fld id="{B61BEF0D-F0BB-DE4B-95CE-6DB70DBA9567}" type="datetimeFigureOut">
               <a:rPr lang="en-US" dirty="0"/>
               <a:pPr/>
-              <a:t>11/11/2018</a:t>
+              <a:t>11/13/2018</a:t>
             </a:fld>
             <a:endParaRPr lang="en-US" dirty="0"/>
           </a:p>
@@ -2607,7 +2618,7 @@
           <a:p>
             <a:fld id="{55C6B4A9-1611-4792-9094-5F34BCA07E0B}" type="datetimeFigureOut">
               <a:rPr lang="en-US" dirty="0"/>
-              <a:t>11/11/2018</a:t>
+              <a:t>11/13/2018</a:t>
             </a:fld>
             <a:endParaRPr lang="en-US" dirty="0"/>
           </a:p>
@@ -2783,7 +2794,7 @@
             <a:fld id="{B61BEF0D-F0BB-DE4B-95CE-6DB70DBA9567}" type="datetimeFigureOut">
               <a:rPr lang="en-US" dirty="0"/>
               <a:pPr/>
-              <a:t>11/11/2018</a:t>
+              <a:t>11/13/2018</a:t>
             </a:fld>
             <a:endParaRPr lang="en-US" dirty="0"/>
           </a:p>
@@ -2956,7 +2967,7 @@
             <a:fld id="{B61BEF0D-F0BB-DE4B-95CE-6DB70DBA9567}" type="datetimeFigureOut">
               <a:rPr lang="en-US" dirty="0"/>
               <a:pPr/>
-              <a:t>11/11/2018</a:t>
+              <a:t>11/13/2018</a:t>
             </a:fld>
             <a:endParaRPr lang="en-US" dirty="0"/>
           </a:p>
@@ -3200,7 +3211,7 @@
             <a:fld id="{B61BEF0D-F0BB-DE4B-95CE-6DB70DBA9567}" type="datetimeFigureOut">
               <a:rPr lang="en-US" dirty="0"/>
               <a:pPr/>
-              <a:t>11/11/2018</a:t>
+              <a:t>11/13/2018</a:t>
             </a:fld>
             <a:endParaRPr lang="en-US" dirty="0"/>
           </a:p>
@@ -3428,7 +3439,7 @@
           <a:p>
             <a:fld id="{EB712588-04B1-427B-82EE-E8DB90309F08}" type="datetimeFigureOut">
               <a:rPr lang="en-US" dirty="0"/>
-              <a:t>11/11/2018</a:t>
+              <a:t>11/13/2018</a:t>
             </a:fld>
             <a:endParaRPr lang="en-US" dirty="0"/>
           </a:p>
@@ -3798,7 +3809,7 @@
             <a:fld id="{B61BEF0D-F0BB-DE4B-95CE-6DB70DBA9567}" type="datetimeFigureOut">
               <a:rPr lang="en-US" dirty="0"/>
               <a:pPr/>
-              <a:t>11/11/2018</a:t>
+              <a:t>11/13/2018</a:t>
             </a:fld>
             <a:endParaRPr lang="en-US" dirty="0"/>
           </a:p>
@@ -3918,7 +3929,7 @@
             <a:fld id="{B61BEF0D-F0BB-DE4B-95CE-6DB70DBA9567}" type="datetimeFigureOut">
               <a:rPr lang="en-US" dirty="0"/>
               <a:pPr/>
-              <a:t>11/11/2018</a:t>
+              <a:t>11/13/2018</a:t>
             </a:fld>
             <a:endParaRPr lang="en-US" dirty="0"/>
           </a:p>
@@ -4010,7 +4021,7 @@
             <a:fld id="{B61BEF0D-F0BB-DE4B-95CE-6DB70DBA9567}" type="datetimeFigureOut">
               <a:rPr lang="en-US" dirty="0"/>
               <a:pPr/>
-              <a:t>11/11/2018</a:t>
+              <a:t>11/13/2018</a:t>
             </a:fld>
             <a:endParaRPr lang="en-US" dirty="0"/>
           </a:p>
@@ -4261,7 +4272,7 @@
           <a:p>
             <a:fld id="{42A54C80-263E-416B-A8E0-580EDEADCBDC}" type="datetimeFigureOut">
               <a:rPr lang="en-US" dirty="0"/>
-              <a:t>11/11/2018</a:t>
+              <a:t>11/13/2018</a:t>
             </a:fld>
             <a:endParaRPr lang="en-US" dirty="0"/>
           </a:p>
@@ -4520,7 +4531,7 @@
             <a:fld id="{B61BEF0D-F0BB-DE4B-95CE-6DB70DBA9567}" type="datetimeFigureOut">
               <a:rPr lang="en-US" dirty="0"/>
               <a:pPr/>
-              <a:t>11/11/2018</a:t>
+              <a:t>11/13/2018</a:t>
             </a:fld>
             <a:endParaRPr lang="en-US" dirty="0"/>
           </a:p>
@@ -5260,7 +5271,7 @@
             <a:fld id="{B61BEF0D-F0BB-DE4B-95CE-6DB70DBA9567}" type="datetimeFigureOut">
               <a:rPr lang="en-US" dirty="0"/>
               <a:pPr/>
-              <a:t>11/11/2018</a:t>
+              <a:t>11/13/2018</a:t>
             </a:fld>
             <a:endParaRPr lang="en-US" dirty="0"/>
           </a:p>
@@ -5827,7 +5838,7 @@
         <p:spPr/>
         <p:txBody>
           <a:bodyPr>
-            <a:normAutofit lnSpcReduction="10000"/>
+            <a:normAutofit/>
           </a:bodyPr>
           <a:lstStyle/>
           <a:p>
@@ -5851,14 +5862,7 @@
             </a:r>
           </a:p>
           <a:p>
-            <a:r>
-              <a:rPr lang="en-CA" dirty="0" err="1"/>
-              <a:t>Mse</a:t>
-            </a:r>
-            <a:r>
-              <a:rPr lang="en-CA" dirty="0"/>
-              <a:t> Computational Science</a:t>
-            </a:r>
+            <a:endParaRPr lang="en-CA" dirty="0"/>
           </a:p>
         </p:txBody>
       </p:sp>
@@ -5897,6 +5901,121 @@
           <p:cNvPr id="2" name="Title 1">
             <a:extLst>
               <a:ext uri="{FF2B5EF4-FFF2-40B4-BE49-F238E27FC236}">
+                <a16:creationId xmlns:a16="http://schemas.microsoft.com/office/drawing/2014/main" id="{C70704B9-B82D-4B60-8E02-487E6CB93019}"/>
+              </a:ext>
+            </a:extLst>
+          </p:cNvPr>
+          <p:cNvSpPr>
+            <a:spLocks noGrp="1"/>
+          </p:cNvSpPr>
+          <p:nvPr>
+            <p:ph type="title"/>
+          </p:nvPr>
+        </p:nvSpPr>
+        <p:spPr/>
+        <p:txBody>
+          <a:bodyPr/>
+          <a:lstStyle/>
+          <a:p>
+            <a:r>
+              <a:rPr lang="en-US" b="1" dirty="0"/>
+              <a:t>Dataset and variables:</a:t>
+            </a:r>
+            <a:br>
+              <a:rPr lang="en-CA" dirty="0"/>
+            </a:br>
+            <a:endParaRPr lang="en-CA" dirty="0"/>
+          </a:p>
+        </p:txBody>
+      </p:sp>
+      <p:sp>
+        <p:nvSpPr>
+          <p:cNvPr id="3" name="Content Placeholder 2">
+            <a:extLst>
+              <a:ext uri="{FF2B5EF4-FFF2-40B4-BE49-F238E27FC236}">
+                <a16:creationId xmlns:a16="http://schemas.microsoft.com/office/drawing/2014/main" id="{E4AEEB70-A13E-48A7-8668-F1E1CD758974}"/>
+              </a:ext>
+            </a:extLst>
+          </p:cNvPr>
+          <p:cNvSpPr>
+            <a:spLocks noGrp="1"/>
+          </p:cNvSpPr>
+          <p:nvPr>
+            <p:ph idx="1"/>
+          </p:nvPr>
+        </p:nvSpPr>
+        <p:spPr/>
+        <p:txBody>
+          <a:bodyPr/>
+          <a:lstStyle/>
+          <a:p>
+            <a:r>
+              <a:rPr lang="en-US" dirty="0"/>
+              <a:t>I have created my own data set. This dataset was a collection of 36 which contain A to Z alphabet and 0 to 9 numbers digit.</a:t>
+            </a:r>
+          </a:p>
+          <a:p>
+            <a:r>
+              <a:rPr lang="en-US" dirty="0"/>
+              <a:t>In my dataset consist of A to Z alphabet and 0 to 9 numbers where I have used right hand to capture 1200 images for specific alphabet and numbers.</a:t>
+            </a:r>
+          </a:p>
+          <a:p>
+            <a:r>
+              <a:rPr lang="en-US" dirty="0"/>
+              <a:t> After that I implement code which convert flip image to right to left hand image. </a:t>
+            </a:r>
+          </a:p>
+          <a:p>
+            <a:r>
+              <a:rPr lang="en-US" dirty="0"/>
+              <a:t>The height and width ratios vary significantly but average approximately 50X50 pixel. </a:t>
+            </a:r>
+          </a:p>
+          <a:p>
+            <a:r>
+              <a:rPr lang="en-US" dirty="0"/>
+              <a:t>The dataset contains over 100,000 images in gray scale color. Additionally, People who want to add their images to this dataset than they can add.</a:t>
+            </a:r>
+            <a:endParaRPr lang="en-CA" dirty="0"/>
+          </a:p>
+        </p:txBody>
+      </p:sp>
+    </p:spTree>
+    <p:extLst>
+      <p:ext uri="{BB962C8B-B14F-4D97-AF65-F5344CB8AC3E}">
+        <p14:creationId xmlns:p14="http://schemas.microsoft.com/office/powerpoint/2010/main" val="872726495"/>
+      </p:ext>
+    </p:extLst>
+  </p:cSld>
+  <p:clrMapOvr>
+    <a:masterClrMapping/>
+  </p:clrMapOvr>
+</p:sld>
+</file>
+
+<file path=ppt/slides/slide11.xml><?xml version="1.0" encoding="utf-8"?>
+<p:sld xmlns:a="http://schemas.openxmlformats.org/drawingml/2006/main" xmlns:r="http://schemas.openxmlformats.org/officeDocument/2006/relationships" xmlns:p="http://schemas.openxmlformats.org/presentationml/2006/main">
+  <p:cSld>
+    <p:spTree>
+      <p:nvGrpSpPr>
+        <p:cNvPr id="1" name=""/>
+        <p:cNvGrpSpPr/>
+        <p:nvPr/>
+      </p:nvGrpSpPr>
+      <p:grpSpPr>
+        <a:xfrm>
+          <a:off x="0" y="0"/>
+          <a:ext cx="0" cy="0"/>
+          <a:chOff x="0" y="0"/>
+          <a:chExt cx="0" cy="0"/>
+        </a:xfrm>
+      </p:grpSpPr>
+      <p:sp>
+        <p:nvSpPr>
+          <p:cNvPr id="2" name="Title 1">
+            <a:extLst>
+              <a:ext uri="{FF2B5EF4-FFF2-40B4-BE49-F238E27FC236}">
                 <a16:creationId xmlns:a16="http://schemas.microsoft.com/office/drawing/2014/main" id="{F9E71AFD-9AD3-4174-B255-AE431C302B77}"/>
               </a:ext>
             </a:extLst>
@@ -5937,7 +6056,7 @@
           </p:nvPr>
         </p:nvPicPr>
         <p:blipFill>
-          <a:blip r:embed="rId3"/>
+          <a:blip r:embed="rId2"/>
           <a:stretch>
             <a:fillRect/>
           </a:stretch>
@@ -5962,7 +6081,7 @@
 </p:sld>
 </file>
 
-<file path=ppt/slides/slide11.xml><?xml version="1.0" encoding="utf-8"?>
+<file path=ppt/slides/slide12.xml><?xml version="1.0" encoding="utf-8"?>
 <p:sld xmlns:a="http://schemas.openxmlformats.org/drawingml/2006/main" xmlns:r="http://schemas.openxmlformats.org/officeDocument/2006/relationships" xmlns:p="http://schemas.openxmlformats.org/presentationml/2006/main">
   <p:cSld>
     <p:spTree>
@@ -6569,156 +6688,6 @@
 </p:sld>
 </file>
 
-<file path=ppt/slides/slide12.xml><?xml version="1.0" encoding="utf-8"?>
-<p:sld xmlns:a="http://schemas.openxmlformats.org/drawingml/2006/main" xmlns:r="http://schemas.openxmlformats.org/officeDocument/2006/relationships" xmlns:p="http://schemas.openxmlformats.org/presentationml/2006/main">
-  <p:cSld>
-    <p:spTree>
-      <p:nvGrpSpPr>
-        <p:cNvPr id="1" name=""/>
-        <p:cNvGrpSpPr/>
-        <p:nvPr/>
-      </p:nvGrpSpPr>
-      <p:grpSpPr>
-        <a:xfrm>
-          <a:off x="0" y="0"/>
-          <a:ext cx="0" cy="0"/>
-          <a:chOff x="0" y="0"/>
-          <a:chExt cx="0" cy="0"/>
-        </a:xfrm>
-      </p:grpSpPr>
-      <p:sp>
-        <p:nvSpPr>
-          <p:cNvPr id="2" name="Title 1">
-            <a:extLst>
-              <a:ext uri="{FF2B5EF4-FFF2-40B4-BE49-F238E27FC236}">
-                <a16:creationId xmlns:a16="http://schemas.microsoft.com/office/drawing/2014/main" id="{FE29177A-74AE-43CC-94A0-3EF172EA7D26}"/>
-              </a:ext>
-            </a:extLst>
-          </p:cNvPr>
-          <p:cNvSpPr>
-            <a:spLocks noGrp="1"/>
-          </p:cNvSpPr>
-          <p:nvPr>
-            <p:ph type="title"/>
-          </p:nvPr>
-        </p:nvSpPr>
-        <p:spPr/>
-        <p:txBody>
-          <a:bodyPr/>
-          <a:lstStyle/>
-          <a:p>
-            <a:r>
-              <a:rPr lang="en-GB" b="1" dirty="0"/>
-              <a:t>Capturing Images for Dataset</a:t>
-            </a:r>
-            <a:br>
-              <a:rPr lang="en-CA" dirty="0"/>
-            </a:br>
-            <a:endParaRPr lang="en-CA" dirty="0"/>
-          </a:p>
-        </p:txBody>
-      </p:sp>
-      <p:sp>
-        <p:nvSpPr>
-          <p:cNvPr id="3" name="Content Placeholder 2">
-            <a:extLst>
-              <a:ext uri="{FF2B5EF4-FFF2-40B4-BE49-F238E27FC236}">
-                <a16:creationId xmlns:a16="http://schemas.microsoft.com/office/drawing/2014/main" id="{F5AD2EAC-7B02-427C-832C-E0B5357A75C5}"/>
-              </a:ext>
-            </a:extLst>
-          </p:cNvPr>
-          <p:cNvSpPr>
-            <a:spLocks noGrp="1"/>
-          </p:cNvSpPr>
-          <p:nvPr>
-            <p:ph idx="1"/>
-          </p:nvPr>
-        </p:nvSpPr>
-        <p:spPr/>
-        <p:txBody>
-          <a:bodyPr>
-            <a:normAutofit fontScale="92500" lnSpcReduction="20000"/>
-          </a:bodyPr>
-          <a:lstStyle/>
-          <a:p>
-            <a:pPr algn="just"/>
-            <a:r>
-              <a:rPr lang="en-GB" dirty="0"/>
-              <a:t>Used for detecting hand gesture using skin </a:t>
-            </a:r>
-            <a:r>
-              <a:rPr lang="en-GB" dirty="0" err="1"/>
-              <a:t>color</a:t>
-            </a:r>
-            <a:r>
-              <a:rPr lang="en-GB" dirty="0"/>
-              <a:t>, there are different approaches including skin </a:t>
-            </a:r>
-            <a:r>
-              <a:rPr lang="en-GB" dirty="0" err="1"/>
-              <a:t>color</a:t>
-            </a:r>
-            <a:r>
-              <a:rPr lang="en-GB" dirty="0"/>
-              <a:t>-based methods.</a:t>
-            </a:r>
-            <a:r>
-              <a:rPr lang="en-GB" b="1" dirty="0"/>
-              <a:t> </a:t>
-            </a:r>
-          </a:p>
-          <a:p>
-            <a:pPr algn="just"/>
-            <a:r>
-              <a:rPr lang="en-GB" dirty="0"/>
-              <a:t>In my case, after detecting and subtracting the face and other background, skin recognition and a contour comparison algorithm were used to search for the hand and discard other background </a:t>
-            </a:r>
-            <a:r>
-              <a:rPr lang="en-GB" dirty="0" err="1"/>
-              <a:t>color</a:t>
-            </a:r>
-            <a:r>
-              <a:rPr lang="en-GB" dirty="0"/>
-              <a:t> objects for every frame captured from a webcam.</a:t>
-            </a:r>
-          </a:p>
-          <a:p>
-            <a:pPr algn="just"/>
-            <a:r>
-              <a:rPr lang="en-CA" dirty="0"/>
-              <a:t>To analyze and extract relevant data about and object of interest from an image, one need to first get that object in the image. Hand posture detection refers to finding the place and size of hand within a sequence of images</a:t>
-            </a:r>
-          </a:p>
-          <a:p>
-            <a:pPr algn="just"/>
-            <a:endParaRPr lang="en-CA" dirty="0"/>
-          </a:p>
-          <a:p>
-            <a:pPr algn="just"/>
-            <a:r>
-              <a:rPr lang="en-CA" dirty="0"/>
-              <a:t>I detected the skin area using the hue, saturation, value (HSV) color model since it has real-time performance and it is strong against alternations, scaling and lighting conditions. Then, the interested area of contours was compared with all the existing hand posture template contours to eliminate unwanted interest of area like objects existing in the image.</a:t>
-            </a:r>
-          </a:p>
-          <a:p>
-            <a:pPr algn="just"/>
-            <a:endParaRPr lang="en-CA" dirty="0"/>
-          </a:p>
-        </p:txBody>
-      </p:sp>
-    </p:spTree>
-    <p:extLst>
-      <p:ext uri="{BB962C8B-B14F-4D97-AF65-F5344CB8AC3E}">
-        <p14:creationId xmlns:p14="http://schemas.microsoft.com/office/powerpoint/2010/main" val="2230504056"/>
-      </p:ext>
-    </p:extLst>
-  </p:cSld>
-  <p:clrMapOvr>
-    <a:masterClrMapping/>
-  </p:clrMapOvr>
-</p:sld>
-</file>
-
 <file path=ppt/slides/slide13.xml><?xml version="1.0" encoding="utf-8"?>
 <p:sld xmlns:a="http://schemas.openxmlformats.org/drawingml/2006/main" xmlns:r="http://schemas.openxmlformats.org/officeDocument/2006/relationships" xmlns:p="http://schemas.openxmlformats.org/presentationml/2006/main">
   <p:cSld>
@@ -6741,7 +6710,7 @@
           <p:cNvPr id="2" name="Title 1">
             <a:extLst>
               <a:ext uri="{FF2B5EF4-FFF2-40B4-BE49-F238E27FC236}">
-                <a16:creationId xmlns:a16="http://schemas.microsoft.com/office/drawing/2014/main" id="{4C3D9D36-3DCB-4DD4-9BC9-9FB7A2DE32B9}"/>
+                <a16:creationId xmlns:a16="http://schemas.microsoft.com/office/drawing/2014/main" id="{FE29177A-74AE-43CC-94A0-3EF172EA7D26}"/>
               </a:ext>
             </a:extLst>
           </p:cNvPr>
@@ -6758,9 +6727,12 @@
           <a:lstStyle/>
           <a:p>
             <a:r>
-              <a:rPr lang="en-CA" b="1" dirty="0"/>
-              <a:t>My Approach for Hand Detection</a:t>
-            </a:r>
+              <a:rPr lang="en-GB" b="1" dirty="0"/>
+              <a:t>Capturing Images for Dataset</a:t>
+            </a:r>
+            <a:br>
+              <a:rPr lang="en-CA" dirty="0"/>
+            </a:br>
             <a:endParaRPr lang="en-CA" dirty="0"/>
           </a:p>
         </p:txBody>
@@ -6770,7 +6742,7 @@
           <p:cNvPr id="3" name="Content Placeholder 2">
             <a:extLst>
               <a:ext uri="{FF2B5EF4-FFF2-40B4-BE49-F238E27FC236}">
-                <a16:creationId xmlns:a16="http://schemas.microsoft.com/office/drawing/2014/main" id="{2D745710-2268-4875-820D-0B8E32D77004}"/>
+                <a16:creationId xmlns:a16="http://schemas.microsoft.com/office/drawing/2014/main" id="{F5AD2EAC-7B02-427C-832C-E0B5357A75C5}"/>
               </a:ext>
             </a:extLst>
           </p:cNvPr>
@@ -6784,50 +6756,71 @@
         <p:spPr/>
         <p:txBody>
           <a:bodyPr>
-            <a:normAutofit lnSpcReduction="10000"/>
+            <a:normAutofit fontScale="92500" lnSpcReduction="20000"/>
           </a:bodyPr>
           <a:lstStyle/>
           <a:p>
+            <a:pPr algn="just"/>
+            <a:r>
+              <a:rPr lang="en-GB" dirty="0"/>
+              <a:t>Used for detecting hand gesture using skin </a:t>
+            </a:r>
+            <a:r>
+              <a:rPr lang="en-GB" dirty="0" err="1"/>
+              <a:t>color</a:t>
+            </a:r>
+            <a:r>
+              <a:rPr lang="en-GB" dirty="0"/>
+              <a:t>, there are different approaches including skin </a:t>
+            </a:r>
+            <a:r>
+              <a:rPr lang="en-GB" dirty="0" err="1"/>
+              <a:t>color</a:t>
+            </a:r>
+            <a:r>
+              <a:rPr lang="en-GB" dirty="0"/>
+              <a:t>-based methods.</a:t>
+            </a:r>
+            <a:r>
+              <a:rPr lang="en-GB" b="1" dirty="0"/>
+              <a:t> </a:t>
+            </a:r>
+          </a:p>
+          <a:p>
+            <a:pPr algn="just"/>
+            <a:r>
+              <a:rPr lang="en-GB" dirty="0"/>
+              <a:t>In my case, after detecting and subtracting the face and other background, skin recognition and a contour comparison algorithm were used to search for the hand and discard other background </a:t>
+            </a:r>
+            <a:r>
+              <a:rPr lang="en-GB" dirty="0" err="1"/>
+              <a:t>color</a:t>
+            </a:r>
+            <a:r>
+              <a:rPr lang="en-GB" dirty="0"/>
+              <a:t> objects for every frame captured from a webcam.</a:t>
+            </a:r>
+          </a:p>
+          <a:p>
+            <a:pPr algn="just"/>
             <a:r>
               <a:rPr lang="en-CA" dirty="0"/>
-              <a:t> I propose an integrated system for detection, segmentation and tracking of the hand in a gesture recognition system using a single webcam.</a:t>
-            </a:r>
-            <a:r>
-              <a:rPr lang="en-CA" b="1" dirty="0"/>
-              <a:t> </a:t>
-            </a:r>
+              <a:t>To analyze and extract relevant data about and object of interest from an image, one need to first get that object in the image. Hand posture detection refers to finding the place and size of hand within a sequence of images</a:t>
+            </a:r>
+          </a:p>
+          <a:p>
+            <a:pPr algn="just"/>
+            <a:endParaRPr lang="en-CA" dirty="0"/>
+          </a:p>
+          <a:p>
+            <a:pPr algn="just"/>
             <a:r>
               <a:rPr lang="en-CA" dirty="0"/>
-              <a:t>Some other methods that use color gloves</a:t>
-            </a:r>
-            <a:r>
-              <a:rPr lang="en-CA" b="1" dirty="0"/>
-              <a:t> , </a:t>
-            </a:r>
-            <a:r>
-              <a:rPr lang="en-CA" dirty="0"/>
-              <a:t>my method can detect the plain hand posture by integrating two useful features: skin color detection and contour matching.</a:t>
-            </a:r>
-          </a:p>
-          <a:p>
-            <a:r>
-              <a:rPr lang="en-CA" dirty="0"/>
-              <a:t>my proposed hand posture finding algorithm has real-time performance and is strong against rotations, scaling, a cluttered background, and lighting conditions.</a:t>
-            </a:r>
-            <a:r>
-              <a:rPr lang="en-CA" b="1" dirty="0"/>
-              <a:t> </a:t>
-            </a:r>
-          </a:p>
-          <a:p>
-            <a:r>
-              <a:rPr lang="en-CA" dirty="0"/>
-              <a:t>First, I will open camera which have 50 squares box to capture hand gesture. Second Put your hand in those boxes and make sure your hand covers all the squares box. Third, the skin color locus for the image was removed for the user’s skin color after face deletion. Then last step, the hand gesture was spotted by removing false positive skin pixels and identifying hand gesture and other real skin color regions using contours matching with the loaded hand gesture patterns contours</a:t>
-            </a:r>
-            <a:r>
-              <a:rPr lang="en-CA" b="1" dirty="0"/>
-              <a:t>.</a:t>
-            </a:r>
+              <a:t>I detected the skin area using the hue, saturation, value (HSV) color model since it has real-time performance and it is strong against alternations, scaling and lighting conditions. Then, the interested area of contours was compared with all the existing hand posture template contours to eliminate unwanted interest of area like objects existing in the image.</a:t>
+            </a:r>
+          </a:p>
+          <a:p>
+            <a:pPr algn="just"/>
             <a:endParaRPr lang="en-CA" dirty="0"/>
           </a:p>
         </p:txBody>
@@ -6835,7 +6828,7 @@
     </p:spTree>
     <p:extLst>
       <p:ext uri="{BB962C8B-B14F-4D97-AF65-F5344CB8AC3E}">
-        <p14:creationId xmlns:p14="http://schemas.microsoft.com/office/powerpoint/2010/main" val="504948817"/>
+        <p14:creationId xmlns:p14="http://schemas.microsoft.com/office/powerpoint/2010/main" val="2230504056"/>
       </p:ext>
     </p:extLst>
   </p:cSld>
@@ -6867,6 +6860,132 @@
           <p:cNvPr id="2" name="Title 1">
             <a:extLst>
               <a:ext uri="{FF2B5EF4-FFF2-40B4-BE49-F238E27FC236}">
+                <a16:creationId xmlns:a16="http://schemas.microsoft.com/office/drawing/2014/main" id="{4C3D9D36-3DCB-4DD4-9BC9-9FB7A2DE32B9}"/>
+              </a:ext>
+            </a:extLst>
+          </p:cNvPr>
+          <p:cNvSpPr>
+            <a:spLocks noGrp="1"/>
+          </p:cNvSpPr>
+          <p:nvPr>
+            <p:ph type="title"/>
+          </p:nvPr>
+        </p:nvSpPr>
+        <p:spPr/>
+        <p:txBody>
+          <a:bodyPr/>
+          <a:lstStyle/>
+          <a:p>
+            <a:r>
+              <a:rPr lang="en-CA" b="1" dirty="0"/>
+              <a:t>My Approach for Hand Detection</a:t>
+            </a:r>
+            <a:endParaRPr lang="en-CA" dirty="0"/>
+          </a:p>
+        </p:txBody>
+      </p:sp>
+      <p:sp>
+        <p:nvSpPr>
+          <p:cNvPr id="3" name="Content Placeholder 2">
+            <a:extLst>
+              <a:ext uri="{FF2B5EF4-FFF2-40B4-BE49-F238E27FC236}">
+                <a16:creationId xmlns:a16="http://schemas.microsoft.com/office/drawing/2014/main" id="{2D745710-2268-4875-820D-0B8E32D77004}"/>
+              </a:ext>
+            </a:extLst>
+          </p:cNvPr>
+          <p:cNvSpPr>
+            <a:spLocks noGrp="1"/>
+          </p:cNvSpPr>
+          <p:nvPr>
+            <p:ph idx="1"/>
+          </p:nvPr>
+        </p:nvSpPr>
+        <p:spPr/>
+        <p:txBody>
+          <a:bodyPr>
+            <a:normAutofit lnSpcReduction="10000"/>
+          </a:bodyPr>
+          <a:lstStyle/>
+          <a:p>
+            <a:r>
+              <a:rPr lang="en-CA" dirty="0"/>
+              <a:t> I propose an integrated system for detection, segmentation and tracking of the hand in a gesture recognition system using a single webcam.</a:t>
+            </a:r>
+            <a:r>
+              <a:rPr lang="en-CA" b="1" dirty="0"/>
+              <a:t> </a:t>
+            </a:r>
+            <a:r>
+              <a:rPr lang="en-CA" dirty="0"/>
+              <a:t>Some other methods that use color gloves</a:t>
+            </a:r>
+            <a:r>
+              <a:rPr lang="en-CA" b="1" dirty="0"/>
+              <a:t> , </a:t>
+            </a:r>
+            <a:r>
+              <a:rPr lang="en-CA" dirty="0"/>
+              <a:t>my method can detect the plain hand posture by integrating two useful features: skin color detection and contour matching.</a:t>
+            </a:r>
+          </a:p>
+          <a:p>
+            <a:r>
+              <a:rPr lang="en-CA" dirty="0"/>
+              <a:t>my proposed hand posture finding algorithm has real-time performance and is strong against rotations, scaling, a cluttered background, and lighting conditions.</a:t>
+            </a:r>
+            <a:r>
+              <a:rPr lang="en-CA" b="1" dirty="0"/>
+              <a:t> </a:t>
+            </a:r>
+          </a:p>
+          <a:p>
+            <a:r>
+              <a:rPr lang="en-CA" dirty="0"/>
+              <a:t>First, I will open camera which have 50 squares box to capture hand gesture. Second Put your hand in those boxes and make sure your hand covers all the squares box. Third, the skin color locus for the image was removed for the user’s skin color after face deletion. Then last step, the hand gesture was spotted by removing false positive skin pixels and identifying hand gesture and other real skin color regions using contours matching with the loaded hand gesture patterns contours</a:t>
+            </a:r>
+            <a:r>
+              <a:rPr lang="en-CA" b="1" dirty="0"/>
+              <a:t>.</a:t>
+            </a:r>
+            <a:endParaRPr lang="en-CA" dirty="0"/>
+          </a:p>
+        </p:txBody>
+      </p:sp>
+    </p:spTree>
+    <p:extLst>
+      <p:ext uri="{BB962C8B-B14F-4D97-AF65-F5344CB8AC3E}">
+        <p14:creationId xmlns:p14="http://schemas.microsoft.com/office/powerpoint/2010/main" val="504948817"/>
+      </p:ext>
+    </p:extLst>
+  </p:cSld>
+  <p:clrMapOvr>
+    <a:masterClrMapping/>
+  </p:clrMapOvr>
+</p:sld>
+</file>
+
+<file path=ppt/slides/slide15.xml><?xml version="1.0" encoding="utf-8"?>
+<p:sld xmlns:a="http://schemas.openxmlformats.org/drawingml/2006/main" xmlns:r="http://schemas.openxmlformats.org/officeDocument/2006/relationships" xmlns:p="http://schemas.openxmlformats.org/presentationml/2006/main">
+  <p:cSld>
+    <p:spTree>
+      <p:nvGrpSpPr>
+        <p:cNvPr id="1" name=""/>
+        <p:cNvGrpSpPr/>
+        <p:nvPr/>
+      </p:nvGrpSpPr>
+      <p:grpSpPr>
+        <a:xfrm>
+          <a:off x="0" y="0"/>
+          <a:ext cx="0" cy="0"/>
+          <a:chOff x="0" y="0"/>
+          <a:chExt cx="0" cy="0"/>
+        </a:xfrm>
+      </p:grpSpPr>
+      <p:sp>
+        <p:nvSpPr>
+          <p:cNvPr id="2" name="Title 1">
+            <a:extLst>
+              <a:ext uri="{FF2B5EF4-FFF2-40B4-BE49-F238E27FC236}">
                 <a16:creationId xmlns:a16="http://schemas.microsoft.com/office/drawing/2014/main" id="{6C59E036-966E-42F7-81D1-953309A1870A}"/>
               </a:ext>
             </a:extLst>
@@ -6883,6 +7002,13 @@
           <a:bodyPr/>
           <a:lstStyle/>
           <a:p>
+            <a:r>
+              <a:rPr lang="en-CA" b="1" dirty="0"/>
+              <a:t>Hand posture detection steps</a:t>
+            </a:r>
+            <a:br>
+              <a:rPr lang="en-CA" dirty="0"/>
+            </a:br>
             <a:endParaRPr lang="en-CA" dirty="0"/>
           </a:p>
         </p:txBody>
@@ -6908,14 +7034,515 @@
           <a:bodyPr/>
           <a:lstStyle/>
           <a:p>
-            <a:endParaRPr lang="en-CA"/>
-          </a:p>
-        </p:txBody>
-      </p:sp>
+            <a:endParaRPr lang="en-CA" dirty="0"/>
+          </a:p>
+        </p:txBody>
+      </p:sp>
+      <p:pic>
+        <p:nvPicPr>
+          <p:cNvPr id="4" name="Picture 3">
+            <a:extLst>
+              <a:ext uri="{FF2B5EF4-FFF2-40B4-BE49-F238E27FC236}">
+                <a16:creationId xmlns:a16="http://schemas.microsoft.com/office/drawing/2014/main" id="{439192C4-A85A-46FE-A879-AD076C2B7C0D}"/>
+              </a:ext>
+            </a:extLst>
+          </p:cNvPr>
+          <p:cNvPicPr/>
+          <p:nvPr/>
+        </p:nvPicPr>
+        <p:blipFill>
+          <a:blip r:embed="rId2">
+            <a:extLst>
+              <a:ext uri="{28A0092B-C50C-407E-A947-70E740481C1C}">
+                <a14:useLocalDpi xmlns:a14="http://schemas.microsoft.com/office/drawing/2010/main" val="0"/>
+              </a:ext>
+            </a:extLst>
+          </a:blip>
+          <a:srcRect/>
+          <a:stretch>
+            <a:fillRect/>
+          </a:stretch>
+        </p:blipFill>
+        <p:spPr bwMode="auto">
+          <a:xfrm>
+            <a:off x="520980" y="2160589"/>
+            <a:ext cx="8596668" cy="2324100"/>
+          </a:xfrm>
+          <a:prstGeom prst="rect">
+            <a:avLst/>
+          </a:prstGeom>
+          <a:noFill/>
+          <a:ln>
+            <a:noFill/>
+          </a:ln>
+        </p:spPr>
+      </p:pic>
     </p:spTree>
     <p:extLst>
       <p:ext uri="{BB962C8B-B14F-4D97-AF65-F5344CB8AC3E}">
         <p14:creationId xmlns:p14="http://schemas.microsoft.com/office/powerpoint/2010/main" val="2388272214"/>
+      </p:ext>
+    </p:extLst>
+  </p:cSld>
+  <p:clrMapOvr>
+    <a:masterClrMapping/>
+  </p:clrMapOvr>
+</p:sld>
+</file>
+
+<file path=ppt/slides/slide16.xml><?xml version="1.0" encoding="utf-8"?>
+<p:sld xmlns:a="http://schemas.openxmlformats.org/drawingml/2006/main" xmlns:r="http://schemas.openxmlformats.org/officeDocument/2006/relationships" xmlns:p="http://schemas.openxmlformats.org/presentationml/2006/main">
+  <p:cSld>
+    <p:spTree>
+      <p:nvGrpSpPr>
+        <p:cNvPr id="1" name=""/>
+        <p:cNvGrpSpPr/>
+        <p:nvPr/>
+      </p:nvGrpSpPr>
+      <p:grpSpPr>
+        <a:xfrm>
+          <a:off x="0" y="0"/>
+          <a:ext cx="0" cy="0"/>
+          <a:chOff x="0" y="0"/>
+          <a:chExt cx="0" cy="0"/>
+        </a:xfrm>
+      </p:grpSpPr>
+      <p:sp>
+        <p:nvSpPr>
+          <p:cNvPr id="2" name="Title 1">
+            <a:extLst>
+              <a:ext uri="{FF2B5EF4-FFF2-40B4-BE49-F238E27FC236}">
+                <a16:creationId xmlns:a16="http://schemas.microsoft.com/office/drawing/2014/main" id="{28961B37-7533-4D48-8696-F0246477157E}"/>
+              </a:ext>
+            </a:extLst>
+          </p:cNvPr>
+          <p:cNvSpPr>
+            <a:spLocks noGrp="1"/>
+          </p:cNvSpPr>
+          <p:nvPr>
+            <p:ph type="title"/>
+          </p:nvPr>
+        </p:nvSpPr>
+        <p:spPr/>
+        <p:txBody>
+          <a:bodyPr/>
+          <a:lstStyle/>
+          <a:p>
+            <a:r>
+              <a:rPr lang="en-CA" b="1" dirty="0"/>
+              <a:t>Neural Network Architecture</a:t>
+            </a:r>
+            <a:endParaRPr lang="en-CA" dirty="0"/>
+          </a:p>
+        </p:txBody>
+      </p:sp>
+      <p:sp>
+        <p:nvSpPr>
+          <p:cNvPr id="3" name="Content Placeholder 2">
+            <a:extLst>
+              <a:ext uri="{FF2B5EF4-FFF2-40B4-BE49-F238E27FC236}">
+                <a16:creationId xmlns:a16="http://schemas.microsoft.com/office/drawing/2014/main" id="{E3204F0C-4879-4DE1-8E99-3ABC78FE7D26}"/>
+              </a:ext>
+            </a:extLst>
+          </p:cNvPr>
+          <p:cNvSpPr>
+            <a:spLocks noGrp="1"/>
+          </p:cNvSpPr>
+          <p:nvPr>
+            <p:ph idx="1"/>
+          </p:nvPr>
+        </p:nvSpPr>
+        <p:spPr/>
+        <p:txBody>
+          <a:bodyPr/>
+          <a:lstStyle/>
+          <a:p>
+            <a:pPr lvl="0"/>
+            <a:r>
+              <a:rPr lang="en-CA" dirty="0"/>
+              <a:t>Single layer feed forward network.</a:t>
+            </a:r>
+            <a:endParaRPr lang="en-CA" sz="1600" dirty="0"/>
+          </a:p>
+          <a:p>
+            <a:pPr lvl="1"/>
+            <a:r>
+              <a:rPr lang="en-CA" dirty="0"/>
+              <a:t>Learning in feed-forward networks use for supervised learning, in which pairs of input and output values are supply into the network for many loop, so that the network trained the interconnection between the input and output.</a:t>
+            </a:r>
+            <a:endParaRPr lang="en-CA" sz="1400" dirty="0"/>
+          </a:p>
+          <a:p>
+            <a:pPr lvl="0"/>
+            <a:r>
+              <a:rPr lang="en-CA" dirty="0"/>
+              <a:t>Multilayer Feed Forward Network</a:t>
+            </a:r>
+            <a:endParaRPr lang="en-CA" sz="1600" dirty="0"/>
+          </a:p>
+          <a:p>
+            <a:pPr lvl="1"/>
+            <a:r>
+              <a:rPr lang="en-CA" b="1" dirty="0"/>
+              <a:t>Back propagation</a:t>
+            </a:r>
+            <a:r>
+              <a:rPr lang="en-CA" dirty="0"/>
+              <a:t> is a method used in artificial neural networks to calculate a gradient that is needed in the calculation of the weights to be used in the network</a:t>
+            </a:r>
+            <a:endParaRPr lang="en-CA" sz="1400" dirty="0"/>
+          </a:p>
+          <a:p>
+            <a:pPr lvl="1"/>
+            <a:r>
+              <a:rPr lang="en-CA" dirty="0"/>
+              <a:t>Self Organizing Map(Unsupervised Learning)</a:t>
+            </a:r>
+            <a:endParaRPr lang="en-CA" sz="1400" dirty="0"/>
+          </a:p>
+          <a:p>
+            <a:endParaRPr lang="en-CA" dirty="0"/>
+          </a:p>
+        </p:txBody>
+      </p:sp>
+    </p:spTree>
+    <p:extLst>
+      <p:ext uri="{BB962C8B-B14F-4D97-AF65-F5344CB8AC3E}">
+        <p14:creationId xmlns:p14="http://schemas.microsoft.com/office/powerpoint/2010/main" val="1067816656"/>
+      </p:ext>
+    </p:extLst>
+  </p:cSld>
+  <p:clrMapOvr>
+    <a:masterClrMapping/>
+  </p:clrMapOvr>
+</p:sld>
+</file>
+
+<file path=ppt/slides/slide17.xml><?xml version="1.0" encoding="utf-8"?>
+<p:sld xmlns:a="http://schemas.openxmlformats.org/drawingml/2006/main" xmlns:r="http://schemas.openxmlformats.org/officeDocument/2006/relationships" xmlns:p="http://schemas.openxmlformats.org/presentationml/2006/main">
+  <p:cSld>
+    <p:spTree>
+      <p:nvGrpSpPr>
+        <p:cNvPr id="1" name=""/>
+        <p:cNvGrpSpPr/>
+        <p:nvPr/>
+      </p:nvGrpSpPr>
+      <p:grpSpPr>
+        <a:xfrm>
+          <a:off x="0" y="0"/>
+          <a:ext cx="0" cy="0"/>
+          <a:chOff x="0" y="0"/>
+          <a:chExt cx="0" cy="0"/>
+        </a:xfrm>
+      </p:grpSpPr>
+      <p:sp>
+        <p:nvSpPr>
+          <p:cNvPr id="2" name="Title 1">
+            <a:extLst>
+              <a:ext uri="{FF2B5EF4-FFF2-40B4-BE49-F238E27FC236}">
+                <a16:creationId xmlns:a16="http://schemas.microsoft.com/office/drawing/2014/main" id="{8DB08856-4356-4EE3-8B01-0CF6038C1FE5}"/>
+              </a:ext>
+            </a:extLst>
+          </p:cNvPr>
+          <p:cNvSpPr>
+            <a:spLocks noGrp="1"/>
+          </p:cNvSpPr>
+          <p:nvPr>
+            <p:ph type="title"/>
+          </p:nvPr>
+        </p:nvSpPr>
+        <p:spPr/>
+        <p:txBody>
+          <a:bodyPr/>
+          <a:lstStyle/>
+          <a:p>
+            <a:r>
+              <a:rPr lang="en-CA" b="1" dirty="0"/>
+              <a:t>Single Layer feed forward network</a:t>
+            </a:r>
+            <a:br>
+              <a:rPr lang="en-CA" dirty="0"/>
+            </a:br>
+            <a:endParaRPr lang="en-CA" dirty="0"/>
+          </a:p>
+        </p:txBody>
+      </p:sp>
+      <p:pic>
+        <p:nvPicPr>
+          <p:cNvPr id="7" name="Content Placeholder 6" descr="C:\Users\Ravi\Desktop\3993124_f260.jpg">
+            <a:extLst>
+              <a:ext uri="{FF2B5EF4-FFF2-40B4-BE49-F238E27FC236}">
+                <a16:creationId xmlns:a16="http://schemas.microsoft.com/office/drawing/2014/main" id="{98A53746-D29F-4FB6-9251-6EBCC56E6CE1}"/>
+              </a:ext>
+            </a:extLst>
+          </p:cNvPr>
+          <p:cNvPicPr>
+            <a:picLocks noGrp="1"/>
+          </p:cNvPicPr>
+          <p:nvPr>
+            <p:ph idx="1"/>
+          </p:nvPr>
+        </p:nvPicPr>
+        <p:blipFill>
+          <a:blip r:embed="rId2">
+            <a:extLst>
+              <a:ext uri="{28A0092B-C50C-407E-A947-70E740481C1C}">
+                <a14:useLocalDpi xmlns:a14="http://schemas.microsoft.com/office/drawing/2010/main" val="0"/>
+              </a:ext>
+            </a:extLst>
+          </a:blip>
+          <a:srcRect/>
+          <a:stretch>
+            <a:fillRect/>
+          </a:stretch>
+        </p:blipFill>
+        <p:spPr bwMode="auto">
+          <a:xfrm>
+            <a:off x="3305175" y="2200275"/>
+            <a:ext cx="2909094" cy="3148806"/>
+          </a:xfrm>
+          <a:prstGeom prst="rect">
+            <a:avLst/>
+          </a:prstGeom>
+          <a:noFill/>
+          <a:extLst/>
+        </p:spPr>
+      </p:pic>
+    </p:spTree>
+    <p:extLst>
+      <p:ext uri="{BB962C8B-B14F-4D97-AF65-F5344CB8AC3E}">
+        <p14:creationId xmlns:p14="http://schemas.microsoft.com/office/powerpoint/2010/main" val="1294807165"/>
+      </p:ext>
+    </p:extLst>
+  </p:cSld>
+  <p:clrMapOvr>
+    <a:masterClrMapping/>
+  </p:clrMapOvr>
+</p:sld>
+</file>
+
+<file path=ppt/slides/slide18.xml><?xml version="1.0" encoding="utf-8"?>
+<p:sld xmlns:a="http://schemas.openxmlformats.org/drawingml/2006/main" xmlns:r="http://schemas.openxmlformats.org/officeDocument/2006/relationships" xmlns:p="http://schemas.openxmlformats.org/presentationml/2006/main">
+  <p:cSld>
+    <p:spTree>
+      <p:nvGrpSpPr>
+        <p:cNvPr id="1" name=""/>
+        <p:cNvGrpSpPr/>
+        <p:nvPr/>
+      </p:nvGrpSpPr>
+      <p:grpSpPr>
+        <a:xfrm>
+          <a:off x="0" y="0"/>
+          <a:ext cx="0" cy="0"/>
+          <a:chOff x="0" y="0"/>
+          <a:chExt cx="0" cy="0"/>
+        </a:xfrm>
+      </p:grpSpPr>
+      <p:sp>
+        <p:nvSpPr>
+          <p:cNvPr id="2" name="Title 1">
+            <a:extLst>
+              <a:ext uri="{FF2B5EF4-FFF2-40B4-BE49-F238E27FC236}">
+                <a16:creationId xmlns:a16="http://schemas.microsoft.com/office/drawing/2014/main" id="{555D4494-87CB-4636-A3DC-26C73643DEFF}"/>
+              </a:ext>
+            </a:extLst>
+          </p:cNvPr>
+          <p:cNvSpPr>
+            <a:spLocks noGrp="1"/>
+          </p:cNvSpPr>
+          <p:nvPr>
+            <p:ph type="title"/>
+          </p:nvPr>
+        </p:nvSpPr>
+        <p:spPr/>
+        <p:txBody>
+          <a:bodyPr/>
+          <a:lstStyle/>
+          <a:p>
+            <a:r>
+              <a:rPr lang="en-CA" b="1" dirty="0"/>
+              <a:t>Multilayer feed forward network</a:t>
+            </a:r>
+            <a:br>
+              <a:rPr lang="en-CA" dirty="0"/>
+            </a:br>
+            <a:endParaRPr lang="en-CA" dirty="0"/>
+          </a:p>
+        </p:txBody>
+      </p:sp>
+      <p:pic>
+        <p:nvPicPr>
+          <p:cNvPr id="4" name="Content Placeholder 3" descr="C:\Users\Ravi\Desktop\download.jpg">
+            <a:extLst>
+              <a:ext uri="{FF2B5EF4-FFF2-40B4-BE49-F238E27FC236}">
+                <a16:creationId xmlns:a16="http://schemas.microsoft.com/office/drawing/2014/main" id="{C94411D3-B14B-4D6B-8AC0-E72D9FDFCBD7}"/>
+              </a:ext>
+            </a:extLst>
+          </p:cNvPr>
+          <p:cNvPicPr>
+            <a:picLocks noGrp="1"/>
+          </p:cNvPicPr>
+          <p:nvPr>
+            <p:ph idx="1"/>
+          </p:nvPr>
+        </p:nvPicPr>
+        <p:blipFill>
+          <a:blip r:embed="rId2">
+            <a:extLst>
+              <a:ext uri="{28A0092B-C50C-407E-A947-70E740481C1C}">
+                <a14:useLocalDpi xmlns:a14="http://schemas.microsoft.com/office/drawing/2010/main" val="0"/>
+              </a:ext>
+            </a:extLst>
+          </a:blip>
+          <a:srcRect/>
+          <a:stretch>
+            <a:fillRect/>
+          </a:stretch>
+        </p:blipFill>
+        <p:spPr bwMode="auto">
+          <a:xfrm>
+            <a:off x="2143125" y="2333624"/>
+            <a:ext cx="5276849" cy="3800475"/>
+          </a:xfrm>
+          <a:prstGeom prst="rect">
+            <a:avLst/>
+          </a:prstGeom>
+          <a:noFill/>
+          <a:extLst/>
+        </p:spPr>
+      </p:pic>
+    </p:spTree>
+    <p:extLst>
+      <p:ext uri="{BB962C8B-B14F-4D97-AF65-F5344CB8AC3E}">
+        <p14:creationId xmlns:p14="http://schemas.microsoft.com/office/powerpoint/2010/main" val="3237127030"/>
+      </p:ext>
+    </p:extLst>
+  </p:cSld>
+  <p:clrMapOvr>
+    <a:masterClrMapping/>
+  </p:clrMapOvr>
+</p:sld>
+</file>
+
+<file path=ppt/slides/slide19.xml><?xml version="1.0" encoding="utf-8"?>
+<p:sld xmlns:a="http://schemas.openxmlformats.org/drawingml/2006/main" xmlns:r="http://schemas.openxmlformats.org/officeDocument/2006/relationships" xmlns:p="http://schemas.openxmlformats.org/presentationml/2006/main">
+  <p:cSld>
+    <p:spTree>
+      <p:nvGrpSpPr>
+        <p:cNvPr id="1" name=""/>
+        <p:cNvGrpSpPr/>
+        <p:nvPr/>
+      </p:nvGrpSpPr>
+      <p:grpSpPr>
+        <a:xfrm>
+          <a:off x="0" y="0"/>
+          <a:ext cx="0" cy="0"/>
+          <a:chOff x="0" y="0"/>
+          <a:chExt cx="0" cy="0"/>
+        </a:xfrm>
+      </p:grpSpPr>
+      <p:sp>
+        <p:nvSpPr>
+          <p:cNvPr id="2" name="Title 1">
+            <a:extLst>
+              <a:ext uri="{FF2B5EF4-FFF2-40B4-BE49-F238E27FC236}">
+                <a16:creationId xmlns:a16="http://schemas.microsoft.com/office/drawing/2014/main" id="{7AF6E050-36F1-46F9-A688-400EA5CCBB2D}"/>
+              </a:ext>
+            </a:extLst>
+          </p:cNvPr>
+          <p:cNvSpPr>
+            <a:spLocks noGrp="1"/>
+          </p:cNvSpPr>
+          <p:nvPr>
+            <p:ph type="title"/>
+          </p:nvPr>
+        </p:nvSpPr>
+        <p:spPr/>
+        <p:txBody>
+          <a:bodyPr/>
+          <a:lstStyle/>
+          <a:p>
+            <a:r>
+              <a:rPr lang="en-CA" b="1" dirty="0"/>
+              <a:t>Multilayer feed forward network</a:t>
+            </a:r>
+            <a:endParaRPr lang="en-CA" dirty="0"/>
+          </a:p>
+        </p:txBody>
+      </p:sp>
+      <p:sp>
+        <p:nvSpPr>
+          <p:cNvPr id="3" name="Content Placeholder 2">
+            <a:extLst>
+              <a:ext uri="{FF2B5EF4-FFF2-40B4-BE49-F238E27FC236}">
+                <a16:creationId xmlns:a16="http://schemas.microsoft.com/office/drawing/2014/main" id="{BC62E3AC-67BD-4DCE-AC01-754CB62C6361}"/>
+              </a:ext>
+            </a:extLst>
+          </p:cNvPr>
+          <p:cNvSpPr>
+            <a:spLocks noGrp="1"/>
+          </p:cNvSpPr>
+          <p:nvPr>
+            <p:ph idx="1"/>
+          </p:nvPr>
+        </p:nvSpPr>
+        <p:spPr/>
+        <p:txBody>
+          <a:bodyPr/>
+          <a:lstStyle/>
+          <a:p>
+            <a:r>
+              <a:rPr lang="en-GB" dirty="0"/>
+              <a:t>Input layer-It contains those units (Artificial neurons) which get contribution from the outside world on which system will learn, perceive about or generally process.</a:t>
+            </a:r>
+            <a:endParaRPr lang="en-CA" dirty="0"/>
+          </a:p>
+          <a:p>
+            <a:r>
+              <a:rPr lang="en-GB" dirty="0"/>
+              <a:t>Output layer — It contains units that react to the data about how it’s learned any task.</a:t>
+            </a:r>
+            <a:endParaRPr lang="en-CA" dirty="0"/>
+          </a:p>
+          <a:p>
+            <a:r>
+              <a:rPr lang="en-GB" dirty="0"/>
+              <a:t>Hidden layer</a:t>
+            </a:r>
+            <a:r>
+              <a:rPr lang="en-GB" b="1" dirty="0"/>
+              <a:t> — </a:t>
+            </a:r>
+            <a:r>
+              <a:rPr lang="en-GB" dirty="0"/>
+              <a:t>These layers are in between input and output layers</a:t>
+            </a:r>
+            <a:r>
+              <a:rPr lang="en-GB" b="1" dirty="0"/>
+              <a:t>. </a:t>
+            </a:r>
+            <a:r>
+              <a:rPr lang="en-GB" dirty="0"/>
+              <a:t>The main objective of hidden layer is to transfer the input into something that output unit can use and analysing.</a:t>
+            </a:r>
+            <a:endParaRPr lang="en-CA" dirty="0"/>
+          </a:p>
+          <a:p>
+            <a:r>
+              <a:rPr lang="en-GB" dirty="0"/>
+              <a:t>Neural networks are fully connected when every node in hidden layer is fully connected to the every node in its previous layer(input) and to the next layer (output) layer.</a:t>
+            </a:r>
+            <a:endParaRPr lang="en-CA" dirty="0"/>
+          </a:p>
+          <a:p>
+            <a:endParaRPr lang="en-CA" dirty="0"/>
+          </a:p>
+        </p:txBody>
+      </p:sp>
+    </p:spTree>
+    <p:extLst>
+      <p:ext uri="{BB962C8B-B14F-4D97-AF65-F5344CB8AC3E}">
+        <p14:creationId xmlns:p14="http://schemas.microsoft.com/office/powerpoint/2010/main" val="4179676049"/>
       </p:ext>
     </p:extLst>
   </p:cSld>
@@ -7027,6 +7654,67 @@
     <p:extLst>
       <p:ext uri="{BB962C8B-B14F-4D97-AF65-F5344CB8AC3E}">
         <p14:creationId xmlns:p14="http://schemas.microsoft.com/office/powerpoint/2010/main" val="4103968526"/>
+      </p:ext>
+    </p:extLst>
+  </p:cSld>
+  <p:clrMapOvr>
+    <a:masterClrMapping/>
+  </p:clrMapOvr>
+</p:sld>
+</file>
+
+<file path=ppt/slides/slide20.xml><?xml version="1.0" encoding="utf-8"?>
+<p:sld xmlns:a="http://schemas.openxmlformats.org/drawingml/2006/main" xmlns:r="http://schemas.openxmlformats.org/officeDocument/2006/relationships" xmlns:p="http://schemas.openxmlformats.org/presentationml/2006/main">
+  <p:cSld>
+    <p:spTree>
+      <p:nvGrpSpPr>
+        <p:cNvPr id="1" name=""/>
+        <p:cNvGrpSpPr/>
+        <p:nvPr/>
+      </p:nvGrpSpPr>
+      <p:grpSpPr>
+        <a:xfrm>
+          <a:off x="0" y="0"/>
+          <a:ext cx="0" cy="0"/>
+          <a:chOff x="0" y="0"/>
+          <a:chExt cx="0" cy="0"/>
+        </a:xfrm>
+      </p:grpSpPr>
+      <p:sp>
+        <p:nvSpPr>
+          <p:cNvPr id="2" name="Title 1">
+            <a:extLst>
+              <a:ext uri="{FF2B5EF4-FFF2-40B4-BE49-F238E27FC236}">
+                <a16:creationId xmlns:a16="http://schemas.microsoft.com/office/drawing/2014/main" id="{79020256-4F83-46E7-9BC1-A9ACD7D541FC}"/>
+              </a:ext>
+            </a:extLst>
+          </p:cNvPr>
+          <p:cNvSpPr>
+            <a:spLocks noGrp="1"/>
+          </p:cNvSpPr>
+          <p:nvPr>
+            <p:ph type="title"/>
+          </p:nvPr>
+        </p:nvSpPr>
+        <p:spPr/>
+        <p:txBody>
+          <a:bodyPr>
+            <a:normAutofit fontScale="90000"/>
+          </a:bodyPr>
+          <a:lstStyle/>
+          <a:p>
+            <a:pPr algn="ctr"/>
+            <a:r>
+              <a:rPr lang="en-CA" sz="8800" dirty="0"/>
+              <a:t>Thank you</a:t>
+            </a:r>
+          </a:p>
+        </p:txBody>
+      </p:sp>
+    </p:spTree>
+    <p:extLst>
+      <p:ext uri="{BB962C8B-B14F-4D97-AF65-F5344CB8AC3E}">
+        <p14:creationId xmlns:p14="http://schemas.microsoft.com/office/powerpoint/2010/main" val="973882466"/>
       </p:ext>
     </p:extLst>
   </p:cSld>
@@ -8483,6 +9171,120 @@
           <p:cNvPr id="2" name="Title 1">
             <a:extLst>
               <a:ext uri="{FF2B5EF4-FFF2-40B4-BE49-F238E27FC236}">
+                <a16:creationId xmlns:a16="http://schemas.microsoft.com/office/drawing/2014/main" id="{F1F7DF5F-96EB-467E-A602-5E280420835E}"/>
+              </a:ext>
+            </a:extLst>
+          </p:cNvPr>
+          <p:cNvSpPr>
+            <a:spLocks noGrp="1"/>
+          </p:cNvSpPr>
+          <p:nvPr>
+            <p:ph type="title"/>
+          </p:nvPr>
+        </p:nvSpPr>
+        <p:spPr/>
+        <p:txBody>
+          <a:bodyPr/>
+          <a:lstStyle/>
+          <a:p>
+            <a:r>
+              <a:rPr lang="en-GB" b="1" dirty="0"/>
+              <a:t>Project overview for American sign language</a:t>
+            </a:r>
+            <a:endParaRPr lang="en-CA" dirty="0"/>
+          </a:p>
+        </p:txBody>
+      </p:sp>
+      <p:sp>
+        <p:nvSpPr>
+          <p:cNvPr id="11" name="Content Placeholder 10">
+            <a:extLst>
+              <a:ext uri="{FF2B5EF4-FFF2-40B4-BE49-F238E27FC236}">
+                <a16:creationId xmlns:a16="http://schemas.microsoft.com/office/drawing/2014/main" id="{454BC387-F5CB-4B05-95F6-B917CC44AA87}"/>
+              </a:ext>
+            </a:extLst>
+          </p:cNvPr>
+          <p:cNvSpPr>
+            <a:spLocks noGrp="1"/>
+          </p:cNvSpPr>
+          <p:nvPr>
+            <p:ph idx="1"/>
+          </p:nvPr>
+        </p:nvSpPr>
+        <p:spPr/>
+        <p:txBody>
+          <a:bodyPr/>
+          <a:lstStyle/>
+          <a:p>
+            <a:endParaRPr lang="en-CA"/>
+          </a:p>
+        </p:txBody>
+      </p:sp>
+      <p:pic>
+        <p:nvPicPr>
+          <p:cNvPr id="12" name="Picture 11">
+            <a:extLst>
+              <a:ext uri="{FF2B5EF4-FFF2-40B4-BE49-F238E27FC236}">
+                <a16:creationId xmlns:a16="http://schemas.microsoft.com/office/drawing/2014/main" id="{671DD28C-87EC-4A8B-BD5F-2342A6DF91E1}"/>
+              </a:ext>
+            </a:extLst>
+          </p:cNvPr>
+          <p:cNvPicPr>
+            <a:picLocks noChangeAspect="1"/>
+          </p:cNvPicPr>
+          <p:nvPr/>
+        </p:nvPicPr>
+        <p:blipFill>
+          <a:blip r:embed="rId2"/>
+          <a:stretch>
+            <a:fillRect/>
+          </a:stretch>
+        </p:blipFill>
+        <p:spPr>
+          <a:xfrm>
+            <a:off x="677334" y="2160589"/>
+            <a:ext cx="8596668" cy="4173536"/>
+          </a:xfrm>
+          <a:prstGeom prst="rect">
+            <a:avLst/>
+          </a:prstGeom>
+        </p:spPr>
+      </p:pic>
+    </p:spTree>
+    <p:extLst>
+      <p:ext uri="{BB962C8B-B14F-4D97-AF65-F5344CB8AC3E}">
+        <p14:creationId xmlns:p14="http://schemas.microsoft.com/office/powerpoint/2010/main" val="3635665467"/>
+      </p:ext>
+    </p:extLst>
+  </p:cSld>
+  <p:clrMapOvr>
+    <a:masterClrMapping/>
+  </p:clrMapOvr>
+</p:sld>
+</file>
+
+<file path=ppt/slides/slide8.xml><?xml version="1.0" encoding="utf-8"?>
+<p:sld xmlns:a="http://schemas.openxmlformats.org/drawingml/2006/main" xmlns:r="http://schemas.openxmlformats.org/officeDocument/2006/relationships" xmlns:p="http://schemas.openxmlformats.org/presentationml/2006/main">
+  <p:cSld>
+    <p:spTree>
+      <p:nvGrpSpPr>
+        <p:cNvPr id="1" name=""/>
+        <p:cNvGrpSpPr/>
+        <p:nvPr/>
+      </p:nvGrpSpPr>
+      <p:grpSpPr>
+        <a:xfrm>
+          <a:off x="0" y="0"/>
+          <a:ext cx="0" cy="0"/>
+          <a:chOff x="0" y="0"/>
+          <a:chExt cx="0" cy="0"/>
+        </a:xfrm>
+      </p:grpSpPr>
+      <p:sp>
+        <p:nvSpPr>
+          <p:cNvPr id="2" name="Title 1">
+            <a:extLst>
+              <a:ext uri="{FF2B5EF4-FFF2-40B4-BE49-F238E27FC236}">
                 <a16:creationId xmlns:a16="http://schemas.microsoft.com/office/drawing/2014/main" id="{674EDF49-8B34-4853-A735-3537FE597C11}"/>
               </a:ext>
             </a:extLst>
@@ -8571,7 +9373,7 @@
 </p:sld>
 </file>
 
-<file path=ppt/slides/slide8.xml><?xml version="1.0" encoding="utf-8"?>
+<file path=ppt/slides/slide9.xml><?xml version="1.0" encoding="utf-8"?>
 <p:sld xmlns:a="http://schemas.openxmlformats.org/drawingml/2006/main" xmlns:r="http://schemas.openxmlformats.org/officeDocument/2006/relationships" xmlns:p="http://schemas.openxmlformats.org/presentationml/2006/main">
   <p:cSld>
     <p:spTree>
@@ -8663,121 +9465,6 @@
     <p:extLst>
       <p:ext uri="{BB962C8B-B14F-4D97-AF65-F5344CB8AC3E}">
         <p14:creationId xmlns:p14="http://schemas.microsoft.com/office/powerpoint/2010/main" val="4272298672"/>
-      </p:ext>
-    </p:extLst>
-  </p:cSld>
-  <p:clrMapOvr>
-    <a:masterClrMapping/>
-  </p:clrMapOvr>
-</p:sld>
-</file>
-
-<file path=ppt/slides/slide9.xml><?xml version="1.0" encoding="utf-8"?>
-<p:sld xmlns:a="http://schemas.openxmlformats.org/drawingml/2006/main" xmlns:r="http://schemas.openxmlformats.org/officeDocument/2006/relationships" xmlns:p="http://schemas.openxmlformats.org/presentationml/2006/main">
-  <p:cSld>
-    <p:spTree>
-      <p:nvGrpSpPr>
-        <p:cNvPr id="1" name=""/>
-        <p:cNvGrpSpPr/>
-        <p:nvPr/>
-      </p:nvGrpSpPr>
-      <p:grpSpPr>
-        <a:xfrm>
-          <a:off x="0" y="0"/>
-          <a:ext cx="0" cy="0"/>
-          <a:chOff x="0" y="0"/>
-          <a:chExt cx="0" cy="0"/>
-        </a:xfrm>
-      </p:grpSpPr>
-      <p:sp>
-        <p:nvSpPr>
-          <p:cNvPr id="2" name="Title 1">
-            <a:extLst>
-              <a:ext uri="{FF2B5EF4-FFF2-40B4-BE49-F238E27FC236}">
-                <a16:creationId xmlns:a16="http://schemas.microsoft.com/office/drawing/2014/main" id="{C70704B9-B82D-4B60-8E02-487E6CB93019}"/>
-              </a:ext>
-            </a:extLst>
-          </p:cNvPr>
-          <p:cNvSpPr>
-            <a:spLocks noGrp="1"/>
-          </p:cNvSpPr>
-          <p:nvPr>
-            <p:ph type="title"/>
-          </p:nvPr>
-        </p:nvSpPr>
-        <p:spPr/>
-        <p:txBody>
-          <a:bodyPr/>
-          <a:lstStyle/>
-          <a:p>
-            <a:r>
-              <a:rPr lang="en-US" b="1" dirty="0"/>
-              <a:t>Dataset and variables:</a:t>
-            </a:r>
-            <a:br>
-              <a:rPr lang="en-CA" dirty="0"/>
-            </a:br>
-            <a:endParaRPr lang="en-CA" dirty="0"/>
-          </a:p>
-        </p:txBody>
-      </p:sp>
-      <p:sp>
-        <p:nvSpPr>
-          <p:cNvPr id="3" name="Content Placeholder 2">
-            <a:extLst>
-              <a:ext uri="{FF2B5EF4-FFF2-40B4-BE49-F238E27FC236}">
-                <a16:creationId xmlns:a16="http://schemas.microsoft.com/office/drawing/2014/main" id="{E4AEEB70-A13E-48A7-8668-F1E1CD758974}"/>
-              </a:ext>
-            </a:extLst>
-          </p:cNvPr>
-          <p:cNvSpPr>
-            <a:spLocks noGrp="1"/>
-          </p:cNvSpPr>
-          <p:nvPr>
-            <p:ph idx="1"/>
-          </p:nvPr>
-        </p:nvSpPr>
-        <p:spPr/>
-        <p:txBody>
-          <a:bodyPr/>
-          <a:lstStyle/>
-          <a:p>
-            <a:r>
-              <a:rPr lang="en-US" dirty="0"/>
-              <a:t>I have created my own data set. This dataset was a collection of 36 which contain A to Z alphabet and 0 to 9 numbers digit.</a:t>
-            </a:r>
-          </a:p>
-          <a:p>
-            <a:r>
-              <a:rPr lang="en-US" dirty="0"/>
-              <a:t>In my dataset consist of A to Z alphabet and 0 to 9 numbers where I have used right hand to capture 1200 images for specific alphabet and numbers.</a:t>
-            </a:r>
-          </a:p>
-          <a:p>
-            <a:r>
-              <a:rPr lang="en-US" dirty="0"/>
-              <a:t> After that I implement code which convert flip image to right to left hand image. </a:t>
-            </a:r>
-          </a:p>
-          <a:p>
-            <a:r>
-              <a:rPr lang="en-US" dirty="0"/>
-              <a:t>The height and width ratios vary significantly but average approximately 50X50 pixel. </a:t>
-            </a:r>
-          </a:p>
-          <a:p>
-            <a:r>
-              <a:rPr lang="en-US" dirty="0"/>
-              <a:t>The dataset contains over 100,000 images in gray scale color. Additionally, People who want to add their images to this dataset than they can add.</a:t>
-            </a:r>
-            <a:endParaRPr lang="en-CA" dirty="0"/>
-          </a:p>
-        </p:txBody>
-      </p:sp>
-    </p:spTree>
-    <p:extLst>
-      <p:ext uri="{BB962C8B-B14F-4D97-AF65-F5344CB8AC3E}">
-        <p14:creationId xmlns:p14="http://schemas.microsoft.com/office/powerpoint/2010/main" val="872726495"/>
       </p:ext>
     </p:extLst>
   </p:cSld>

--- a/Sign language/Thesis PPT 0362577.pptx
+++ b/Sign language/Thesis PPT 0362577.pptx
@@ -854,7 +854,7 @@
             <a:fld id="{B61BEF0D-F0BB-DE4B-95CE-6DB70DBA9567}" type="datetimeFigureOut">
               <a:rPr lang="en-US" dirty="0"/>
               <a:pPr/>
-              <a:t>11/13/2018</a:t>
+              <a:t>3/6/2019</a:t>
             </a:fld>
             <a:endParaRPr lang="en-US" dirty="0"/>
           </a:p>
@@ -1102,7 +1102,7 @@
             <a:fld id="{B61BEF0D-F0BB-DE4B-95CE-6DB70DBA9567}" type="datetimeFigureOut">
               <a:rPr lang="en-US" dirty="0"/>
               <a:pPr/>
-              <a:t>11/13/2018</a:t>
+              <a:t>3/6/2019</a:t>
             </a:fld>
             <a:endParaRPr lang="en-US" dirty="0"/>
           </a:p>
@@ -1413,7 +1413,7 @@
             <a:fld id="{B61BEF0D-F0BB-DE4B-95CE-6DB70DBA9567}" type="datetimeFigureOut">
               <a:rPr lang="en-US" dirty="0"/>
               <a:pPr/>
-              <a:t>11/13/2018</a:t>
+              <a:t>3/6/2019</a:t>
             </a:fld>
             <a:endParaRPr lang="en-US" dirty="0"/>
           </a:p>
@@ -1751,7 +1751,7 @@
             <a:fld id="{B61BEF0D-F0BB-DE4B-95CE-6DB70DBA9567}" type="datetimeFigureOut">
               <a:rPr lang="en-US" dirty="0"/>
               <a:pPr/>
-              <a:t>11/13/2018</a:t>
+              <a:t>3/6/2019</a:t>
             </a:fld>
             <a:endParaRPr lang="en-US" dirty="0"/>
           </a:p>
@@ -2062,7 +2062,7 @@
             <a:fld id="{B61BEF0D-F0BB-DE4B-95CE-6DB70DBA9567}" type="datetimeFigureOut">
               <a:rPr lang="en-US" dirty="0"/>
               <a:pPr/>
-              <a:t>11/13/2018</a:t>
+              <a:t>3/6/2019</a:t>
             </a:fld>
             <a:endParaRPr lang="en-US" dirty="0"/>
           </a:p>
@@ -2452,7 +2452,7 @@
             <a:fld id="{B61BEF0D-F0BB-DE4B-95CE-6DB70DBA9567}" type="datetimeFigureOut">
               <a:rPr lang="en-US" dirty="0"/>
               <a:pPr/>
-              <a:t>11/13/2018</a:t>
+              <a:t>3/6/2019</a:t>
             </a:fld>
             <a:endParaRPr lang="en-US" dirty="0"/>
           </a:p>
@@ -2618,7 +2618,7 @@
           <a:p>
             <a:fld id="{55C6B4A9-1611-4792-9094-5F34BCA07E0B}" type="datetimeFigureOut">
               <a:rPr lang="en-US" dirty="0"/>
-              <a:t>11/13/2018</a:t>
+              <a:t>3/6/2019</a:t>
             </a:fld>
             <a:endParaRPr lang="en-US" dirty="0"/>
           </a:p>
@@ -2794,7 +2794,7 @@
             <a:fld id="{B61BEF0D-F0BB-DE4B-95CE-6DB70DBA9567}" type="datetimeFigureOut">
               <a:rPr lang="en-US" dirty="0"/>
               <a:pPr/>
-              <a:t>11/13/2018</a:t>
+              <a:t>3/6/2019</a:t>
             </a:fld>
             <a:endParaRPr lang="en-US" dirty="0"/>
           </a:p>
@@ -2967,7 +2967,7 @@
             <a:fld id="{B61BEF0D-F0BB-DE4B-95CE-6DB70DBA9567}" type="datetimeFigureOut">
               <a:rPr lang="en-US" dirty="0"/>
               <a:pPr/>
-              <a:t>11/13/2018</a:t>
+              <a:t>3/6/2019</a:t>
             </a:fld>
             <a:endParaRPr lang="en-US" dirty="0"/>
           </a:p>
@@ -3211,7 +3211,7 @@
             <a:fld id="{B61BEF0D-F0BB-DE4B-95CE-6DB70DBA9567}" type="datetimeFigureOut">
               <a:rPr lang="en-US" dirty="0"/>
               <a:pPr/>
-              <a:t>11/13/2018</a:t>
+              <a:t>3/6/2019</a:t>
             </a:fld>
             <a:endParaRPr lang="en-US" dirty="0"/>
           </a:p>
@@ -3439,7 +3439,7 @@
           <a:p>
             <a:fld id="{EB712588-04B1-427B-82EE-E8DB90309F08}" type="datetimeFigureOut">
               <a:rPr lang="en-US" dirty="0"/>
-              <a:t>11/13/2018</a:t>
+              <a:t>3/6/2019</a:t>
             </a:fld>
             <a:endParaRPr lang="en-US" dirty="0"/>
           </a:p>
@@ -3809,7 +3809,7 @@
             <a:fld id="{B61BEF0D-F0BB-DE4B-95CE-6DB70DBA9567}" type="datetimeFigureOut">
               <a:rPr lang="en-US" dirty="0"/>
               <a:pPr/>
-              <a:t>11/13/2018</a:t>
+              <a:t>3/6/2019</a:t>
             </a:fld>
             <a:endParaRPr lang="en-US" dirty="0"/>
           </a:p>
@@ -3929,7 +3929,7 @@
             <a:fld id="{B61BEF0D-F0BB-DE4B-95CE-6DB70DBA9567}" type="datetimeFigureOut">
               <a:rPr lang="en-US" dirty="0"/>
               <a:pPr/>
-              <a:t>11/13/2018</a:t>
+              <a:t>3/6/2019</a:t>
             </a:fld>
             <a:endParaRPr lang="en-US" dirty="0"/>
           </a:p>
@@ -4021,7 +4021,7 @@
             <a:fld id="{B61BEF0D-F0BB-DE4B-95CE-6DB70DBA9567}" type="datetimeFigureOut">
               <a:rPr lang="en-US" dirty="0"/>
               <a:pPr/>
-              <a:t>11/13/2018</a:t>
+              <a:t>3/6/2019</a:t>
             </a:fld>
             <a:endParaRPr lang="en-US" dirty="0"/>
           </a:p>
@@ -4272,7 +4272,7 @@
           <a:p>
             <a:fld id="{42A54C80-263E-416B-A8E0-580EDEADCBDC}" type="datetimeFigureOut">
               <a:rPr lang="en-US" dirty="0"/>
-              <a:t>11/13/2018</a:t>
+              <a:t>3/6/2019</a:t>
             </a:fld>
             <a:endParaRPr lang="en-US" dirty="0"/>
           </a:p>
@@ -4531,7 +4531,7 @@
             <a:fld id="{B61BEF0D-F0BB-DE4B-95CE-6DB70DBA9567}" type="datetimeFigureOut">
               <a:rPr lang="en-US" dirty="0"/>
               <a:pPr/>
-              <a:t>11/13/2018</a:t>
+              <a:t>3/6/2019</a:t>
             </a:fld>
             <a:endParaRPr lang="en-US" dirty="0"/>
           </a:p>
@@ -5271,7 +5271,7 @@
             <a:fld id="{B61BEF0D-F0BB-DE4B-95CE-6DB70DBA9567}" type="datetimeFigureOut">
               <a:rPr lang="en-US" dirty="0"/>
               <a:pPr/>
-              <a:t>11/13/2018</a:t>
+              <a:t>3/6/2019</a:t>
             </a:fld>
             <a:endParaRPr lang="en-US" dirty="0"/>
           </a:p>
@@ -5814,7 +5814,7 @@
           <a:p>
             <a:r>
               <a:rPr lang="en-CA" dirty="0"/>
-              <a:t>Real time gesture detection using Machine Learning</a:t>
+              <a:t>Real time static gesture detection using Machine Learning</a:t>
             </a:r>
           </a:p>
         </p:txBody>
@@ -5844,7 +5844,7 @@
           <a:p>
             <a:r>
               <a:rPr lang="en-CA" dirty="0"/>
-              <a:t>From :</a:t>
+              <a:t>From: </a:t>
             </a:r>
             <a:r>
               <a:rPr lang="en-CA" dirty="0" err="1"/>
@@ -7592,7 +7592,7 @@
           <a:p>
             <a:r>
               <a:rPr lang="en-CA" dirty="0"/>
-              <a:t>About Sing Language:</a:t>
+              <a:t>About Sign Language:</a:t>
             </a:r>
           </a:p>
         </p:txBody>
@@ -7632,13 +7632,13 @@
           <a:p>
             <a:r>
               <a:rPr lang="en-GB" dirty="0"/>
-              <a:t>Sing language is not a unique language singed consistently in different country.</a:t>
+              <a:t>Sign language is not a unique language signed consistently in different country.</a:t>
             </a:r>
           </a:p>
           <a:p>
             <a:r>
               <a:rPr lang="en-GB" dirty="0"/>
-              <a:t>Different counties have their own sign language such as American Sign Language, French Sign Language, Indian Sign Language and Puerto Rican Sing Language to a name few.</a:t>
+              <a:t>Different counties have their own sign language such as American Sign Language, French Sign Language, Indian Sign Language and Puerto Rican Sign Language to a name few.</a:t>
             </a:r>
           </a:p>
           <a:p>
@@ -7891,7 +7891,7 @@
             <p:ph idx="1"/>
             <p:extLst>
               <p:ext uri="{D42A27DB-BD31-4B8C-83A1-F6EECF244321}">
-                <p14:modId xmlns:p14="http://schemas.microsoft.com/office/powerpoint/2010/main" val="3541519294"/>
+                <p14:modId xmlns:p14="http://schemas.microsoft.com/office/powerpoint/2010/main" val="364342463"/>
               </p:ext>
             </p:extLst>
           </p:nvPr>
@@ -8464,19 +8464,7 @@
                           <a:ea typeface="Calibri" panose="020F0502020204030204" pitchFamily="34" charset="0"/>
                           <a:cs typeface="Times New Roman" panose="02020603050405020304" pitchFamily="18" charset="0"/>
                         </a:rPr>
-                        <a:t>•Salvadorian </a:t>
-                      </a:r>
-                      <a:r>
-                        <a:rPr lang="en-GB" sz="1800" dirty="0" err="1">
-                          <a:solidFill>
-                            <a:srgbClr val="000000"/>
-                          </a:solidFill>
-                          <a:effectLst/>
-                          <a:latin typeface="Times New Roman" panose="02020603050405020304" pitchFamily="18" charset="0"/>
-                          <a:ea typeface="Calibri" panose="020F0502020204030204" pitchFamily="34" charset="0"/>
-                          <a:cs typeface="Times New Roman" panose="02020603050405020304" pitchFamily="18" charset="0"/>
-                        </a:rPr>
-                        <a:t>SigLanguage</a:t>
+                        <a:t>•Salvadorian Sign Language</a:t>
                       </a:r>
                       <a:endParaRPr lang="en-CA" sz="1600" dirty="0">
                         <a:effectLst/>
